--- a/files/ppt/tree_delete_examples.pptx
+++ b/files/ppt/tree_delete_examples.pptx
@@ -261,7 +261,7 @@
           <a:p>
             <a:fld id="{1BFC89F8-A85C-6F40-B286-0AD68FD6F5C9}" type="datetimeFigureOut">
               <a:rPr kumimoji="1" lang="zh-TW" altLang="en-US" smtClean="0"/>
-              <a:t>2025/5/24</a:t>
+              <a:t>2025/12/4</a:t>
             </a:fld>
             <a:endParaRPr kumimoji="1" lang="zh-TW" altLang="en-US"/>
           </a:p>
@@ -459,7 +459,7 @@
           <a:p>
             <a:fld id="{1BFC89F8-A85C-6F40-B286-0AD68FD6F5C9}" type="datetimeFigureOut">
               <a:rPr kumimoji="1" lang="zh-TW" altLang="en-US" smtClean="0"/>
-              <a:t>2025/5/24</a:t>
+              <a:t>2025/12/4</a:t>
             </a:fld>
             <a:endParaRPr kumimoji="1" lang="zh-TW" altLang="en-US"/>
           </a:p>
@@ -667,7 +667,7 @@
           <a:p>
             <a:fld id="{1BFC89F8-A85C-6F40-B286-0AD68FD6F5C9}" type="datetimeFigureOut">
               <a:rPr kumimoji="1" lang="zh-TW" altLang="en-US" smtClean="0"/>
-              <a:t>2025/5/24</a:t>
+              <a:t>2025/12/4</a:t>
             </a:fld>
             <a:endParaRPr kumimoji="1" lang="zh-TW" altLang="en-US"/>
           </a:p>
@@ -865,7 +865,7 @@
           <a:p>
             <a:fld id="{1BFC89F8-A85C-6F40-B286-0AD68FD6F5C9}" type="datetimeFigureOut">
               <a:rPr kumimoji="1" lang="zh-TW" altLang="en-US" smtClean="0"/>
-              <a:t>2025/5/24</a:t>
+              <a:t>2025/12/4</a:t>
             </a:fld>
             <a:endParaRPr kumimoji="1" lang="zh-TW" altLang="en-US"/>
           </a:p>
@@ -1140,7 +1140,7 @@
           <a:p>
             <a:fld id="{1BFC89F8-A85C-6F40-B286-0AD68FD6F5C9}" type="datetimeFigureOut">
               <a:rPr kumimoji="1" lang="zh-TW" altLang="en-US" smtClean="0"/>
-              <a:t>2025/5/24</a:t>
+              <a:t>2025/12/4</a:t>
             </a:fld>
             <a:endParaRPr kumimoji="1" lang="zh-TW" altLang="en-US"/>
           </a:p>
@@ -1405,7 +1405,7 @@
           <a:p>
             <a:fld id="{1BFC89F8-A85C-6F40-B286-0AD68FD6F5C9}" type="datetimeFigureOut">
               <a:rPr kumimoji="1" lang="zh-TW" altLang="en-US" smtClean="0"/>
-              <a:t>2025/5/24</a:t>
+              <a:t>2025/12/4</a:t>
             </a:fld>
             <a:endParaRPr kumimoji="1" lang="zh-TW" altLang="en-US"/>
           </a:p>
@@ -1817,7 +1817,7 @@
           <a:p>
             <a:fld id="{1BFC89F8-A85C-6F40-B286-0AD68FD6F5C9}" type="datetimeFigureOut">
               <a:rPr kumimoji="1" lang="zh-TW" altLang="en-US" smtClean="0"/>
-              <a:t>2025/5/24</a:t>
+              <a:t>2025/12/4</a:t>
             </a:fld>
             <a:endParaRPr kumimoji="1" lang="zh-TW" altLang="en-US"/>
           </a:p>
@@ -1958,7 +1958,7 @@
           <a:p>
             <a:fld id="{1BFC89F8-A85C-6F40-B286-0AD68FD6F5C9}" type="datetimeFigureOut">
               <a:rPr kumimoji="1" lang="zh-TW" altLang="en-US" smtClean="0"/>
-              <a:t>2025/5/24</a:t>
+              <a:t>2025/12/4</a:t>
             </a:fld>
             <a:endParaRPr kumimoji="1" lang="zh-TW" altLang="en-US"/>
           </a:p>
@@ -2071,7 +2071,7 @@
           <a:p>
             <a:fld id="{1BFC89F8-A85C-6F40-B286-0AD68FD6F5C9}" type="datetimeFigureOut">
               <a:rPr kumimoji="1" lang="zh-TW" altLang="en-US" smtClean="0"/>
-              <a:t>2025/5/24</a:t>
+              <a:t>2025/12/4</a:t>
             </a:fld>
             <a:endParaRPr kumimoji="1" lang="zh-TW" altLang="en-US"/>
           </a:p>
@@ -2382,7 +2382,7 @@
           <a:p>
             <a:fld id="{1BFC89F8-A85C-6F40-B286-0AD68FD6F5C9}" type="datetimeFigureOut">
               <a:rPr kumimoji="1" lang="zh-TW" altLang="en-US" smtClean="0"/>
-              <a:t>2025/5/24</a:t>
+              <a:t>2025/12/4</a:t>
             </a:fld>
             <a:endParaRPr kumimoji="1" lang="zh-TW" altLang="en-US"/>
           </a:p>
@@ -2670,7 +2670,7 @@
           <a:p>
             <a:fld id="{1BFC89F8-A85C-6F40-B286-0AD68FD6F5C9}" type="datetimeFigureOut">
               <a:rPr kumimoji="1" lang="zh-TW" altLang="en-US" smtClean="0"/>
-              <a:t>2025/5/24</a:t>
+              <a:t>2025/12/4</a:t>
             </a:fld>
             <a:endParaRPr kumimoji="1" lang="zh-TW" altLang="en-US"/>
           </a:p>
@@ -2911,7 +2911,7 @@
           <a:p>
             <a:fld id="{1BFC89F8-A85C-6F40-B286-0AD68FD6F5C9}" type="datetimeFigureOut">
               <a:rPr kumimoji="1" lang="zh-TW" altLang="en-US" smtClean="0"/>
-              <a:t>2025/5/24</a:t>
+              <a:t>2025/12/4</a:t>
             </a:fld>
             <a:endParaRPr kumimoji="1" lang="zh-TW" altLang="en-US"/>
           </a:p>
@@ -5331,10 +5331,10 @@
         </p:nvGrpSpPr>
         <p:grpSpPr>
           <a:xfrm>
-            <a:off x="8438541" y="846521"/>
-            <a:ext cx="2712922" cy="2694744"/>
+            <a:off x="8438542" y="846521"/>
+            <a:ext cx="2665141" cy="2694744"/>
             <a:chOff x="4903685" y="1188820"/>
-            <a:chExt cx="3295500" cy="3249888"/>
+            <a:chExt cx="3237458" cy="3249888"/>
           </a:xfrm>
         </p:grpSpPr>
         <p:sp>
@@ -5763,7 +5763,7 @@
           <p:spPr>
             <a:xfrm>
               <a:off x="4903685" y="1188820"/>
-              <a:ext cx="3295500" cy="334064"/>
+              <a:ext cx="3164802" cy="334064"/>
             </a:xfrm>
             <a:prstGeom prst="rect">
               <a:avLst/>
@@ -5781,7 +5781,7 @@
                   <a:latin typeface="Microsoft JhengHei UI" panose="020B0604030504040204" pitchFamily="34" charset="-120"/>
                   <a:ea typeface="Microsoft JhengHei UI" panose="020B0604030504040204" pitchFamily="34" charset="-120"/>
                 </a:rPr>
-                <a:t>Delete node only having right child</a:t>
+                <a:t>Delete node only having left child</a:t>
               </a:r>
               <a:endParaRPr kumimoji="1" lang="zh-TW" altLang="en-US" sz="1200" dirty="0">
                 <a:latin typeface="Microsoft JhengHei UI" panose="020B0604030504040204" pitchFamily="34" charset="-120"/>
